--- a/周记/Week-12 finetune logs.pptx
+++ b/周记/Week-12 finetune logs.pptx
@@ -213,7 +213,7 @@
           <a:p>
             <a:fld id="{1E5BCEC9-DDE4-4B30-87D6-0017517D5E27}" type="datetimeFigureOut">
               <a:rPr lang="zh-CN" altLang="en-US" smtClean="0"/>
-              <a:t>2024/1/11</a:t>
+              <a:t>2024/2/11</a:t>
             </a:fld>
             <a:endParaRPr lang="zh-CN" altLang="en-US"/>
           </a:p>
@@ -530,7 +530,7 @@
               </a14:hiddenFill>
             </a:ext>
             <a:ext uri="{FAA26D3D-D897-4be2-8F04-BA451C77F1D7}">
-              <ma14:placeholderFlag xmlns="" xmlns:ma14="http://schemas.microsoft.com/office/mac/drawingml/2011/main" val="1"/>
+              <ma14:placeholderFlag xmlns:ma14="http://schemas.microsoft.com/office/mac/drawingml/2011/main" xmlns="" val="1"/>
             </a:ext>
           </a:extLst>
         </p:spPr>
@@ -981,7 +981,7 @@
                 <a:tabLst/>
                 <a:defRPr/>
               </a:pPr>
-              <a:t>2024/1/11</a:t>
+              <a:t>2024/2/11</a:t>
             </a:fld>
             <a:endParaRPr kumimoji="0" lang="zh-CN" altLang="en-US" sz="1200" b="1" i="0" u="none" strike="noStrike" kern="1200" cap="none" spc="0" normalizeH="0" baseline="0" noProof="0">
               <a:ln>
@@ -1297,7 +1297,7 @@
                 <a:tabLst/>
                 <a:defRPr/>
               </a:pPr>
-              <a:t>2024/1/11</a:t>
+              <a:t>2024/2/11</a:t>
             </a:fld>
             <a:endParaRPr kumimoji="0" lang="zh-CN" altLang="en-US" sz="1200" b="1" i="0" u="none" strike="noStrike" kern="1200" cap="none" spc="0" normalizeH="0" baseline="0" noProof="0">
               <a:ln>
@@ -1810,7 +1810,7 @@
                 <a:tabLst/>
                 <a:defRPr/>
               </a:pPr>
-              <a:t>2024/1/11</a:t>
+              <a:t>2024/2/11</a:t>
             </a:fld>
             <a:endParaRPr kumimoji="0" lang="zh-CN" altLang="en-US" sz="1200" b="1" i="0" u="none" strike="noStrike" kern="1200" cap="none" spc="0" normalizeH="0" baseline="0" noProof="0">
               <a:ln>
@@ -2324,7 +2324,7 @@
                 <a:tabLst/>
                 <a:defRPr/>
               </a:pPr>
-              <a:t>2024/1/11</a:t>
+              <a:t>2024/2/11</a:t>
             </a:fld>
             <a:endParaRPr kumimoji="0" lang="zh-CN" altLang="en-US" sz="1200" b="1" i="0" u="none" strike="noStrike" kern="1200" cap="none" spc="0" normalizeH="0" baseline="0" noProof="0">
               <a:ln>
@@ -2624,7 +2624,7 @@
                 <a:tabLst/>
                 <a:defRPr/>
               </a:pPr>
-              <a:t>2024/1/11</a:t>
+              <a:t>2024/2/11</a:t>
             </a:fld>
             <a:endParaRPr kumimoji="0" lang="zh-CN" altLang="en-US" sz="1200" b="1" i="0" u="none" strike="noStrike" kern="1200" cap="none" spc="0" normalizeH="0" baseline="0" noProof="0">
               <a:ln>
@@ -2911,7 +2911,7 @@
           <a:p>
             <a:fld id="{7FA7C40F-0D87-4C47-A7B0-B93EF7B2BEDD}" type="datetimeFigureOut">
               <a:rPr lang="zh-CN" altLang="en-US" smtClean="0"/>
-              <a:t>2024/1/11</a:t>
+              <a:t>2024/2/11</a:t>
             </a:fld>
             <a:endParaRPr lang="zh-CN" altLang="en-US"/>
           </a:p>
@@ -3140,7 +3140,7 @@
           <a:p>
             <a:fld id="{7FA7C40F-0D87-4C47-A7B0-B93EF7B2BEDD}" type="datetimeFigureOut">
               <a:rPr lang="zh-CN" altLang="en-US" smtClean="0"/>
-              <a:t>2024/1/11</a:t>
+              <a:t>2024/2/11</a:t>
             </a:fld>
             <a:endParaRPr lang="zh-CN" altLang="en-US"/>
           </a:p>
@@ -3402,7 +3402,7 @@
                 <a:tabLst/>
                 <a:defRPr/>
               </a:pPr>
-              <a:t>2024/1/11</a:t>
+              <a:t>2024/2/11</a:t>
             </a:fld>
             <a:endParaRPr kumimoji="0" lang="zh-CN" altLang="en-US" sz="1200" b="1" i="0" u="none" strike="noStrike" kern="1200" cap="none" spc="0" normalizeH="0" baseline="0" noProof="0">
               <a:ln>
@@ -4175,9 +4175,45 @@
           <a:p>
             <a:r>
               <a:rPr lang="en-US" altLang="zh-CN" sz="2400" b="1" dirty="0"/>
-              <a:t>Week 11</a:t>
+              <a:t>Week 12</a:t>
             </a:r>
             <a:endParaRPr lang="zh-CN" altLang="en-US" sz="2400" b="1" dirty="0"/>
+          </a:p>
+        </p:txBody>
+      </p:sp>
+      <p:sp>
+        <p:nvSpPr>
+          <p:cNvPr id="4" name="副标题 2">
+            <a:extLst>
+              <a:ext uri="{FF2B5EF4-FFF2-40B4-BE49-F238E27FC236}">
+                <a16:creationId xmlns:a16="http://schemas.microsoft.com/office/drawing/2014/main" id="{5E2DCBD2-26A1-A49B-85D5-1A3E8A77D41A}"/>
+              </a:ext>
+            </a:extLst>
+          </p:cNvPr>
+          <p:cNvSpPr>
+            <a:spLocks noGrp="1"/>
+          </p:cNvSpPr>
+          <p:nvPr>
+            <p:ph type="subTitle" idx="1"/>
+          </p:nvPr>
+        </p:nvSpPr>
+        <p:spPr>
+          <a:xfrm>
+            <a:off x="1524000" y="4005618"/>
+            <a:ext cx="9144000" cy="1970829"/>
+          </a:xfrm>
+        </p:spPr>
+        <p:txBody>
+          <a:bodyPr>
+            <a:normAutofit/>
+          </a:bodyPr>
+          <a:lstStyle/>
+          <a:p>
+            <a:r>
+              <a:rPr lang="en-US" altLang="zh-CN" sz="2800" dirty="0"/>
+              <a:t>Finetune logs(stage 1)</a:t>
+            </a:r>
+            <a:endParaRPr lang="zh-CN" altLang="en-US" sz="2800" dirty="0"/>
           </a:p>
         </p:txBody>
       </p:sp>
